--- a/答辩PPT/程序设计与算法大作业答辩.pptx
+++ b/答辩PPT/程序设计与算法大作业答辩.pptx
@@ -9295,14 +9295,14 @@
       </p:sp>
       <p:sp>
         <p:nvSpPr>
-          <p:cNvPr id="35" name="文本框 11"/>
+          <p:cNvPr id="38" name="文本框 14"/>
           <p:cNvSpPr txBox="1"/>
           <p:nvPr/>
         </p:nvSpPr>
         <p:spPr>
           <a:xfrm>
-            <a:off x="4745594" y="3043821"/>
-            <a:ext cx="1558290" cy="282575"/>
+            <a:off x="4745594" y="3685947"/>
+            <a:ext cx="262890" cy="282575"/>
           </a:xfrm>
           <a:prstGeom prst="rect">
             <a:avLst/>
@@ -9318,166 +9318,7 @@
             <a:pPr defTabSz="456565">
               <a:defRPr/>
             </a:pPr>
-            <a:r>
-              <a:rPr kumimoji="1" lang="zh-CN" altLang="en-US" sz="1400" b="1" kern="0" dirty="0">
-                <a:solidFill>
-                  <a:srgbClr val="FFFFFF"/>
-                </a:solidFill>
-                <a:cs typeface="+mn-ea"/>
-                <a:sym typeface="+mn-lt"/>
-              </a:rPr>
-              <a:t>不同语言性能对比</a:t>
-            </a:r>
             <a:endParaRPr kumimoji="1" lang="zh-CN" altLang="en-US" sz="1400" b="1" kern="0" dirty="0">
-              <a:solidFill>
-                <a:srgbClr val="FFFFFF"/>
-              </a:solidFill>
-              <a:cs typeface="+mn-ea"/>
-              <a:sym typeface="+mn-lt"/>
-            </a:endParaRPr>
-          </a:p>
-        </p:txBody>
-      </p:sp>
-      <p:sp>
-        <p:nvSpPr>
-          <p:cNvPr id="37" name="椭圆 36"/>
-          <p:cNvSpPr/>
-          <p:nvPr/>
-        </p:nvSpPr>
-        <p:spPr>
-          <a:xfrm>
-            <a:off x="4149392" y="3092729"/>
-            <a:ext cx="479529" cy="479529"/>
-          </a:xfrm>
-          <a:prstGeom prst="ellipse">
-            <a:avLst/>
-          </a:prstGeom>
-          <a:solidFill>
-            <a:srgbClr val="002060"/>
-          </a:solidFill>
-          <a:ln w="28575" cap="flat" cmpd="sng" algn="ctr">
-            <a:solidFill>
-              <a:srgbClr val="FFFFFF"/>
-            </a:solidFill>
-            <a:prstDash val="solid"/>
-          </a:ln>
-          <a:effectLst/>
-        </p:spPr>
-        <p:txBody>
-          <a:bodyPr lIns="68529" tIns="34289" rIns="68529" bIns="34289" rtlCol="0" anchor="ctr"/>
-          <a:lstStyle/>
-          <a:p>
-            <a:pPr algn="ctr" defTabSz="456565">
-              <a:defRPr/>
-            </a:pPr>
-            <a:r>
-              <a:rPr kumimoji="1" lang="en-US" altLang="zh-CN" sz="2400" b="1" kern="0" dirty="0">
-                <a:solidFill>
-                  <a:srgbClr val="FFFFFF"/>
-                </a:solidFill>
-                <a:cs typeface="+mn-ea"/>
-                <a:sym typeface="+mn-lt"/>
-              </a:rPr>
-              <a:t>4</a:t>
-            </a:r>
-            <a:endParaRPr kumimoji="1" lang="zh-CN" altLang="en-US" sz="2400" b="1" kern="0" dirty="0">
-              <a:solidFill>
-                <a:srgbClr val="FFFFFF"/>
-              </a:solidFill>
-              <a:cs typeface="+mn-ea"/>
-              <a:sym typeface="+mn-lt"/>
-            </a:endParaRPr>
-          </a:p>
-        </p:txBody>
-      </p:sp>
-      <p:sp>
-        <p:nvSpPr>
-          <p:cNvPr id="38" name="文本框 14"/>
-          <p:cNvSpPr txBox="1"/>
-          <p:nvPr/>
-        </p:nvSpPr>
-        <p:spPr>
-          <a:xfrm>
-            <a:off x="4745594" y="3685947"/>
-            <a:ext cx="1380490" cy="282575"/>
-          </a:xfrm>
-          <a:prstGeom prst="rect">
-            <a:avLst/>
-          </a:prstGeom>
-          <a:noFill/>
-        </p:spPr>
-        <p:txBody>
-          <a:bodyPr wrap="none" lIns="68529" tIns="34289" rIns="68529" bIns="34289" rtlCol="0">
-            <a:spAutoFit/>
-          </a:bodyPr>
-          <a:lstStyle/>
-          <a:p>
-            <a:pPr defTabSz="456565">
-              <a:defRPr/>
-            </a:pPr>
-            <a:r>
-              <a:rPr kumimoji="1" lang="zh-CN" altLang="en-US" sz="1400" b="1" kern="0" dirty="0">
-                <a:solidFill>
-                  <a:srgbClr val="FFFFFF"/>
-                </a:solidFill>
-                <a:cs typeface="+mn-ea"/>
-                <a:sym typeface="+mn-lt"/>
-              </a:rPr>
-              <a:t>分布式排序展望</a:t>
-            </a:r>
-            <a:endParaRPr kumimoji="1" lang="zh-CN" altLang="en-US" sz="1400" b="1" kern="0" dirty="0">
-              <a:solidFill>
-                <a:srgbClr val="FFFFFF"/>
-              </a:solidFill>
-              <a:cs typeface="+mn-ea"/>
-              <a:sym typeface="+mn-lt"/>
-            </a:endParaRPr>
-          </a:p>
-        </p:txBody>
-      </p:sp>
-      <p:sp>
-        <p:nvSpPr>
-          <p:cNvPr id="40" name="椭圆 39"/>
-          <p:cNvSpPr/>
-          <p:nvPr/>
-        </p:nvSpPr>
-        <p:spPr>
-          <a:xfrm>
-            <a:off x="4149392" y="3734855"/>
-            <a:ext cx="479529" cy="479529"/>
-          </a:xfrm>
-          <a:prstGeom prst="ellipse">
-            <a:avLst/>
-          </a:prstGeom>
-          <a:solidFill>
-            <a:srgbClr val="002060"/>
-          </a:solidFill>
-          <a:ln w="28575" cap="flat" cmpd="sng" algn="ctr">
-            <a:solidFill>
-              <a:srgbClr val="FFFFFF"/>
-            </a:solidFill>
-            <a:prstDash val="solid"/>
-          </a:ln>
-          <a:effectLst/>
-        </p:spPr>
-        <p:txBody>
-          <a:bodyPr lIns="68529" tIns="34289" rIns="68529" bIns="34289" rtlCol="0" anchor="ctr"/>
-          <a:lstStyle/>
-          <a:p>
-            <a:pPr algn="ctr" defTabSz="456565">
-              <a:defRPr/>
-            </a:pPr>
-            <a:r>
-              <a:rPr kumimoji="1" lang="en-US" altLang="zh-CN" sz="2400" b="1" kern="0" dirty="0">
-                <a:solidFill>
-                  <a:srgbClr val="FFFFFF"/>
-                </a:solidFill>
-                <a:cs typeface="+mn-ea"/>
-                <a:sym typeface="+mn-lt"/>
-              </a:rPr>
-              <a:t>5</a:t>
-            </a:r>
-            <a:endParaRPr kumimoji="1" lang="zh-CN" altLang="en-US" sz="2400" b="1" kern="0" dirty="0">
               <a:solidFill>
                 <a:srgbClr val="FFFFFF"/>
               </a:solidFill>
@@ -9908,171 +9749,7 @@
                             </p:stCondLst>
                             <p:childTnLst>
                               <p:par>
-                                <p:cTn id="28" presetID="2" presetClass="entr" presetSubtype="4" fill="hold" grpId="0" nodeType="afterEffect">
-                                  <p:stCondLst>
-                                    <p:cond delay="0"/>
-                                  </p:stCondLst>
-                                  <p:childTnLst>
-                                    <p:set>
-                                      <p:cBhvr>
-                                        <p:cTn id="29" dur="1" fill="hold">
-                                          <p:stCondLst>
-                                            <p:cond delay="0"/>
-                                          </p:stCondLst>
-                                        </p:cTn>
-                                        <p:tgtEl>
-                                          <p:spTgt spid="37"/>
-                                        </p:tgtEl>
-                                        <p:attrNameLst>
-                                          <p:attrName>style.visibility</p:attrName>
-                                        </p:attrNameLst>
-                                      </p:cBhvr>
-                                      <p:to>
-                                        <p:strVal val="visible"/>
-                                      </p:to>
-                                    </p:set>
-                                    <p:anim calcmode="lin" valueType="num">
-                                      <p:cBhvr additive="base">
-                                        <p:cTn id="30" dur="500" fill="hold"/>
-                                        <p:tgtEl>
-                                          <p:spTgt spid="37"/>
-                                        </p:tgtEl>
-                                        <p:attrNameLst>
-                                          <p:attrName>ppt_x</p:attrName>
-                                        </p:attrNameLst>
-                                      </p:cBhvr>
-                                      <p:tavLst>
-                                        <p:tav tm="0">
-                                          <p:val>
-                                            <p:strVal val="#ppt_x"/>
-                                          </p:val>
-                                        </p:tav>
-                                        <p:tav tm="100000">
-                                          <p:val>
-                                            <p:strVal val="#ppt_x"/>
-                                          </p:val>
-                                        </p:tav>
-                                      </p:tavLst>
-                                    </p:anim>
-                                    <p:anim calcmode="lin" valueType="num">
-                                      <p:cBhvr additive="base">
-                                        <p:cTn id="31" dur="500" fill="hold"/>
-                                        <p:tgtEl>
-                                          <p:spTgt spid="37"/>
-                                        </p:tgtEl>
-                                        <p:attrNameLst>
-                                          <p:attrName>ppt_y</p:attrName>
-                                        </p:attrNameLst>
-                                      </p:cBhvr>
-                                      <p:tavLst>
-                                        <p:tav tm="0">
-                                          <p:val>
-                                            <p:strVal val="1+#ppt_h/2"/>
-                                          </p:val>
-                                        </p:tav>
-                                        <p:tav tm="100000">
-                                          <p:val>
-                                            <p:strVal val="#ppt_y"/>
-                                          </p:val>
-                                        </p:tav>
-                                      </p:tavLst>
-                                    </p:anim>
-                                  </p:childTnLst>
-                                </p:cTn>
-                              </p:par>
-                            </p:childTnLst>
-                          </p:cTn>
-                        </p:par>
-                        <p:par>
-                          <p:cTn id="32" fill="hold">
-                            <p:stCondLst>
-                              <p:cond delay="3000"/>
-                            </p:stCondLst>
-                            <p:childTnLst>
-                              <p:par>
-                                <p:cTn id="33" presetID="2" presetClass="entr" presetSubtype="4" fill="hold" grpId="0" nodeType="afterEffect">
-                                  <p:stCondLst>
-                                    <p:cond delay="0"/>
-                                  </p:stCondLst>
-                                  <p:childTnLst>
-                                    <p:set>
-                                      <p:cBhvr>
-                                        <p:cTn id="34" dur="1" fill="hold">
-                                          <p:stCondLst>
-                                            <p:cond delay="0"/>
-                                          </p:stCondLst>
-                                        </p:cTn>
-                                        <p:tgtEl>
-                                          <p:spTgt spid="40"/>
-                                        </p:tgtEl>
-                                        <p:attrNameLst>
-                                          <p:attrName>style.visibility</p:attrName>
-                                        </p:attrNameLst>
-                                      </p:cBhvr>
-                                      <p:to>
-                                        <p:strVal val="visible"/>
-                                      </p:to>
-                                    </p:set>
-                                    <p:anim calcmode="lin" valueType="num">
-                                      <p:cBhvr additive="base">
-                                        <p:cTn id="35" dur="500" fill="hold"/>
-                                        <p:tgtEl>
-                                          <p:spTgt spid="40"/>
-                                        </p:tgtEl>
-                                        <p:attrNameLst>
-                                          <p:attrName>ppt_x</p:attrName>
-                                        </p:attrNameLst>
-                                      </p:cBhvr>
-                                      <p:tavLst>
-                                        <p:tav tm="0">
-                                          <p:val>
-                                            <p:strVal val="#ppt_x"/>
-                                          </p:val>
-                                        </p:tav>
-                                        <p:tav tm="100000">
-                                          <p:val>
-                                            <p:strVal val="#ppt_x"/>
-                                          </p:val>
-                                        </p:tav>
-                                      </p:tavLst>
-                                    </p:anim>
-                                    <p:anim calcmode="lin" valueType="num">
-                                      <p:cBhvr additive="base">
-                                        <p:cTn id="36" dur="500" fill="hold"/>
-                                        <p:tgtEl>
-                                          <p:spTgt spid="40"/>
-                                        </p:tgtEl>
-                                        <p:attrNameLst>
-                                          <p:attrName>ppt_y</p:attrName>
-                                        </p:attrNameLst>
-                                      </p:cBhvr>
-                                      <p:tavLst>
-                                        <p:tav tm="0">
-                                          <p:val>
-                                            <p:strVal val="1+#ppt_h/2"/>
-                                          </p:val>
-                                        </p:tav>
-                                        <p:tav tm="100000">
-                                          <p:val>
-                                            <p:strVal val="#ppt_y"/>
-                                          </p:val>
-                                        </p:tav>
-                                      </p:tavLst>
-                                    </p:anim>
-                                  </p:childTnLst>
-                                </p:cTn>
-                              </p:par>
-                            </p:childTnLst>
-                          </p:cTn>
-                        </p:par>
-                        <p:par>
-                          <p:cTn id="37" fill="hold">
-                            <p:stCondLst>
-                              <p:cond delay="3500"/>
-                            </p:stCondLst>
-                            <p:childTnLst>
-                              <p:par>
-                                <p:cTn id="38" presetID="56" presetClass="entr" presetSubtype="0" fill="hold" grpId="0" nodeType="afterEffect">
+                                <p:cTn id="28" presetID="56" presetClass="entr" presetSubtype="0" fill="hold" grpId="0" nodeType="afterEffect">
                                   <p:stCondLst>
                                     <p:cond delay="0"/>
                                   </p:stCondLst>
@@ -10082,7 +9759,7 @@
                                   <p:childTnLst>
                                     <p:set>
                                       <p:cBhvr>
-                                        <p:cTn id="39" dur="1" fill="hold">
+                                        <p:cTn id="29" dur="1" fill="hold">
                                           <p:stCondLst>
                                             <p:cond delay="0"/>
                                           </p:stCondLst>
@@ -10100,7 +9777,7 @@
                                     </p:set>
                                     <p:anim by="(-#ppt_w*2)" calcmode="lin" valueType="num">
                                       <p:cBhvr rctx="PPT">
-                                        <p:cTn id="40" dur="500" autoRev="1" fill="hold">
+                                        <p:cTn id="30" dur="500" autoRev="1" fill="hold">
                                           <p:stCondLst>
                                             <p:cond delay="0"/>
                                           </p:stCondLst>
@@ -10115,7 +9792,7 @@
                                     </p:anim>
                                     <p:anim by="(#ppt_w*0.50)" calcmode="lin" valueType="num">
                                       <p:cBhvr>
-                                        <p:cTn id="41" dur="500" decel="50000" autoRev="1" fill="hold">
+                                        <p:cTn id="31" dur="500" decel="50000" autoRev="1" fill="hold">
                                           <p:stCondLst>
                                             <p:cond delay="0"/>
                                           </p:stCondLst>
@@ -10130,7 +9807,7 @@
                                     </p:anim>
                                     <p:anim from="(-#ppt_h/2)" to="(#ppt_y)" calcmode="lin" valueType="num">
                                       <p:cBhvr>
-                                        <p:cTn id="42" dur="1000" fill="hold">
+                                        <p:cTn id="32" dur="1000" fill="hold">
                                           <p:stCondLst>
                                             <p:cond delay="0"/>
                                           </p:stCondLst>
@@ -10145,7 +9822,7 @@
                                     </p:anim>
                                     <p:animRot by="21600000">
                                       <p:cBhvr>
-                                        <p:cTn id="43" dur="1000" fill="hold">
+                                        <p:cTn id="33" dur="1000" fill="hold">
                                           <p:stCondLst>
                                             <p:cond delay="0"/>
                                           </p:stCondLst>
@@ -10165,13 +9842,13 @@
                           </p:cTn>
                         </p:par>
                         <p:par>
-                          <p:cTn id="44" fill="hold">
+                          <p:cTn id="34" fill="hold">
                             <p:stCondLst>
-                              <p:cond delay="4900"/>
+                              <p:cond delay="3900"/>
                             </p:stCondLst>
                             <p:childTnLst>
                               <p:par>
-                                <p:cTn id="45" presetID="56" presetClass="entr" presetSubtype="0" fill="hold" grpId="0" nodeType="afterEffect">
+                                <p:cTn id="35" presetID="56" presetClass="entr" presetSubtype="0" fill="hold" grpId="0" nodeType="afterEffect">
                                   <p:stCondLst>
                                     <p:cond delay="0"/>
                                   </p:stCondLst>
@@ -10181,7 +9858,7 @@
                                   <p:childTnLst>
                                     <p:set>
                                       <p:cBhvr>
-                                        <p:cTn id="46" dur="1" fill="hold">
+                                        <p:cTn id="36" dur="1" fill="hold">
                                           <p:stCondLst>
                                             <p:cond delay="0"/>
                                           </p:stCondLst>
@@ -10199,7 +9876,7 @@
                                     </p:set>
                                     <p:anim by="(-#ppt_w*2)" calcmode="lin" valueType="num">
                                       <p:cBhvr rctx="PPT">
-                                        <p:cTn id="47" dur="500" autoRev="1" fill="hold">
+                                        <p:cTn id="37" dur="500" autoRev="1" fill="hold">
                                           <p:stCondLst>
                                             <p:cond delay="0"/>
                                           </p:stCondLst>
@@ -10214,7 +9891,7 @@
                                     </p:anim>
                                     <p:anim by="(#ppt_w*0.50)" calcmode="lin" valueType="num">
                                       <p:cBhvr>
-                                        <p:cTn id="48" dur="500" decel="50000" autoRev="1" fill="hold">
+                                        <p:cTn id="38" dur="500" decel="50000" autoRev="1" fill="hold">
                                           <p:stCondLst>
                                             <p:cond delay="0"/>
                                           </p:stCondLst>
@@ -10229,7 +9906,7 @@
                                     </p:anim>
                                     <p:anim from="(-#ppt_h/2)" to="(#ppt_y)" calcmode="lin" valueType="num">
                                       <p:cBhvr>
-                                        <p:cTn id="49" dur="1000" fill="hold">
+                                        <p:cTn id="39" dur="1000" fill="hold">
                                           <p:stCondLst>
                                             <p:cond delay="0"/>
                                           </p:stCondLst>
@@ -10244,7 +9921,7 @@
                                     </p:anim>
                                     <p:animRot by="21600000">
                                       <p:cBhvr>
-                                        <p:cTn id="50" dur="1000" fill="hold">
+                                        <p:cTn id="40" dur="1000" fill="hold">
                                           <p:stCondLst>
                                             <p:cond delay="0"/>
                                           </p:stCondLst>
@@ -10264,13 +9941,13 @@
                           </p:cTn>
                         </p:par>
                         <p:par>
-                          <p:cTn id="51" fill="hold">
+                          <p:cTn id="41" fill="hold">
                             <p:stCondLst>
-                              <p:cond delay="6500"/>
+                              <p:cond delay="5500"/>
                             </p:stCondLst>
                             <p:childTnLst>
                               <p:par>
-                                <p:cTn id="52" presetID="56" presetClass="entr" presetSubtype="0" fill="hold" grpId="0" nodeType="afterEffect">
+                                <p:cTn id="42" presetID="56" presetClass="entr" presetSubtype="0" fill="hold" grpId="0" nodeType="afterEffect">
                                   <p:stCondLst>
                                     <p:cond delay="0"/>
                                   </p:stCondLst>
@@ -10280,7 +9957,7 @@
                                   <p:childTnLst>
                                     <p:set>
                                       <p:cBhvr>
-                                        <p:cTn id="53" dur="1" fill="hold">
+                                        <p:cTn id="43" dur="1" fill="hold">
                                           <p:stCondLst>
                                             <p:cond delay="0"/>
                                           </p:stCondLst>
@@ -10298,7 +9975,7 @@
                                     </p:set>
                                     <p:anim by="(-#ppt_w*2)" calcmode="lin" valueType="num">
                                       <p:cBhvr rctx="PPT">
-                                        <p:cTn id="54" dur="500" autoRev="1" fill="hold">
+                                        <p:cTn id="44" dur="500" autoRev="1" fill="hold">
                                           <p:stCondLst>
                                             <p:cond delay="0"/>
                                           </p:stCondLst>
@@ -10313,7 +9990,7 @@
                                     </p:anim>
                                     <p:anim by="(#ppt_w*0.50)" calcmode="lin" valueType="num">
                                       <p:cBhvr>
-                                        <p:cTn id="55" dur="500" decel="50000" autoRev="1" fill="hold">
+                                        <p:cTn id="45" dur="500" decel="50000" autoRev="1" fill="hold">
                                           <p:stCondLst>
                                             <p:cond delay="0"/>
                                           </p:stCondLst>
@@ -10328,7 +10005,7 @@
                                     </p:anim>
                                     <p:anim from="(-#ppt_h/2)" to="(#ppt_y)" calcmode="lin" valueType="num">
                                       <p:cBhvr>
-                                        <p:cTn id="56" dur="1000" fill="hold">
+                                        <p:cTn id="46" dur="1000" fill="hold">
                                           <p:stCondLst>
                                             <p:cond delay="0"/>
                                           </p:stCondLst>
@@ -10343,112 +10020,13 @@
                                     </p:anim>
                                     <p:animRot by="21600000">
                                       <p:cBhvr>
-                                        <p:cTn id="57" dur="1000" fill="hold">
+                                        <p:cTn id="47" dur="1000" fill="hold">
                                           <p:stCondLst>
                                             <p:cond delay="0"/>
                                           </p:stCondLst>
                                         </p:cTn>
                                         <p:tgtEl>
                                           <p:spTgt spid="32"/>
-                                        </p:tgtEl>
-                                        <p:attrNameLst>
-                                          <p:attrName>r</p:attrName>
-                                        </p:attrNameLst>
-                                      </p:cBhvr>
-                                    </p:animRot>
-                                  </p:childTnLst>
-                                </p:cTn>
-                              </p:par>
-                            </p:childTnLst>
-                          </p:cTn>
-                        </p:par>
-                        <p:par>
-                          <p:cTn id="58" fill="hold">
-                            <p:stCondLst>
-                              <p:cond delay="7599"/>
-                            </p:stCondLst>
-                            <p:childTnLst>
-                              <p:par>
-                                <p:cTn id="59" presetID="56" presetClass="entr" presetSubtype="0" fill="hold" grpId="0" nodeType="afterEffect">
-                                  <p:stCondLst>
-                                    <p:cond delay="0"/>
-                                  </p:stCondLst>
-                                  <p:iterate type="lt">
-                                    <p:tmPct val="10000"/>
-                                  </p:iterate>
-                                  <p:childTnLst>
-                                    <p:set>
-                                      <p:cBhvr>
-                                        <p:cTn id="60" dur="1" fill="hold">
-                                          <p:stCondLst>
-                                            <p:cond delay="0"/>
-                                          </p:stCondLst>
-                                        </p:cTn>
-                                        <p:tgtEl>
-                                          <p:spTgt spid="35"/>
-                                        </p:tgtEl>
-                                        <p:attrNameLst>
-                                          <p:attrName>style.visibility</p:attrName>
-                                        </p:attrNameLst>
-                                      </p:cBhvr>
-                                      <p:to>
-                                        <p:strVal val="visible"/>
-                                      </p:to>
-                                    </p:set>
-                                    <p:anim by="(-#ppt_w*2)" calcmode="lin" valueType="num">
-                                      <p:cBhvr rctx="PPT">
-                                        <p:cTn id="61" dur="500" autoRev="1" fill="hold">
-                                          <p:stCondLst>
-                                            <p:cond delay="0"/>
-                                          </p:stCondLst>
-                                        </p:cTn>
-                                        <p:tgtEl>
-                                          <p:spTgt spid="35"/>
-                                        </p:tgtEl>
-                                        <p:attrNameLst>
-                                          <p:attrName>ppt_w</p:attrName>
-                                        </p:attrNameLst>
-                                      </p:cBhvr>
-                                    </p:anim>
-                                    <p:anim by="(#ppt_w*0.50)" calcmode="lin" valueType="num">
-                                      <p:cBhvr>
-                                        <p:cTn id="62" dur="500" decel="50000" autoRev="1" fill="hold">
-                                          <p:stCondLst>
-                                            <p:cond delay="0"/>
-                                          </p:stCondLst>
-                                        </p:cTn>
-                                        <p:tgtEl>
-                                          <p:spTgt spid="35"/>
-                                        </p:tgtEl>
-                                        <p:attrNameLst>
-                                          <p:attrName>ppt_x</p:attrName>
-                                        </p:attrNameLst>
-                                      </p:cBhvr>
-                                    </p:anim>
-                                    <p:anim from="(-#ppt_h/2)" to="(#ppt_y)" calcmode="lin" valueType="num">
-                                      <p:cBhvr>
-                                        <p:cTn id="63" dur="1000" fill="hold">
-                                          <p:stCondLst>
-                                            <p:cond delay="0"/>
-                                          </p:stCondLst>
-                                        </p:cTn>
-                                        <p:tgtEl>
-                                          <p:spTgt spid="35"/>
-                                        </p:tgtEl>
-                                        <p:attrNameLst>
-                                          <p:attrName>ppt_y</p:attrName>
-                                        </p:attrNameLst>
-                                      </p:cBhvr>
-                                    </p:anim>
-                                    <p:animRot by="21600000">
-                                      <p:cBhvr>
-                                        <p:cTn id="64" dur="1000" fill="hold">
-                                          <p:stCondLst>
-                                            <p:cond delay="0"/>
-                                          </p:stCondLst>
-                                        </p:cTn>
-                                        <p:tgtEl>
-                                          <p:spTgt spid="35"/>
                                         </p:tgtEl>
                                         <p:attrNameLst>
                                           <p:attrName>r</p:attrName>
@@ -10493,9 +10071,6 @@
       <p:bldP spid="31" grpId="0" animBg="1"/>
       <p:bldP spid="32" grpId="0"/>
       <p:bldP spid="34" grpId="0" animBg="1"/>
-      <p:bldP spid="35" grpId="0"/>
-      <p:bldP spid="37" grpId="0" animBg="1"/>
-      <p:bldP spid="40" grpId="0" animBg="1"/>
       <p:bldP spid="41" grpId="0"/>
     </p:bldLst>
   </p:timing>
